--- a/source/_posts/private/books/设计模式/研磨设计模式/第8章 生成器模式(Builder)/temp.pptx
+++ b/source/_posts/private/books/设计模式/研磨设计模式/第8章 生成器模式(Builder)/temp.pptx
@@ -6,6 +6,7 @@
   </p:sldMasterIdLst>
   <p:sldIdLst>
     <p:sldId id="256" r:id="rId2"/>
+    <p:sldId id="257" r:id="rId3"/>
   </p:sldIdLst>
   <p:sldSz cx="12192000" cy="6858000"/>
   <p:notesSz cx="6858000" cy="9144000"/>
@@ -104,6 +105,11 @@
       </a:defRPr>
     </a:lvl9pPr>
   </p:defaultTextStyle>
+  <p:extLst>
+    <p:ext uri="{EFAFB233-063F-42B5-8137-9DF3F51BA10A}">
+      <p15:sldGuideLst xmlns:p15="http://schemas.microsoft.com/office/powerpoint/2012/main"/>
+    </p:ext>
+  </p:extLst>
 </p:presentation>
 </file>
 
@@ -238,7 +244,7 @@
           <a:p>
             <a:fld id="{D85C82DE-D62C-4611-A55F-E210D5217DE3}" type="datetimeFigureOut">
               <a:rPr lang="zh-CN" altLang="en-US" smtClean="0"/>
-              <a:t>2018/12/13</a:t>
+              <a:t>2018/12/16</a:t>
             </a:fld>
             <a:endParaRPr lang="zh-CN" altLang="en-US"/>
           </a:p>
@@ -408,7 +414,7 @@
           <a:p>
             <a:fld id="{D85C82DE-D62C-4611-A55F-E210D5217DE3}" type="datetimeFigureOut">
               <a:rPr lang="zh-CN" altLang="en-US" smtClean="0"/>
-              <a:t>2018/12/13</a:t>
+              <a:t>2018/12/16</a:t>
             </a:fld>
             <a:endParaRPr lang="zh-CN" altLang="en-US"/>
           </a:p>
@@ -588,7 +594,7 @@
           <a:p>
             <a:fld id="{D85C82DE-D62C-4611-A55F-E210D5217DE3}" type="datetimeFigureOut">
               <a:rPr lang="zh-CN" altLang="en-US" smtClean="0"/>
-              <a:t>2018/12/13</a:t>
+              <a:t>2018/12/16</a:t>
             </a:fld>
             <a:endParaRPr lang="zh-CN" altLang="en-US"/>
           </a:p>
@@ -758,7 +764,7 @@
           <a:p>
             <a:fld id="{D85C82DE-D62C-4611-A55F-E210D5217DE3}" type="datetimeFigureOut">
               <a:rPr lang="zh-CN" altLang="en-US" smtClean="0"/>
-              <a:t>2018/12/13</a:t>
+              <a:t>2018/12/16</a:t>
             </a:fld>
             <a:endParaRPr lang="zh-CN" altLang="en-US"/>
           </a:p>
@@ -1004,7 +1010,7 @@
           <a:p>
             <a:fld id="{D85C82DE-D62C-4611-A55F-E210D5217DE3}" type="datetimeFigureOut">
               <a:rPr lang="zh-CN" altLang="en-US" smtClean="0"/>
-              <a:t>2018/12/13</a:t>
+              <a:t>2018/12/16</a:t>
             </a:fld>
             <a:endParaRPr lang="zh-CN" altLang="en-US"/>
           </a:p>
@@ -1236,7 +1242,7 @@
           <a:p>
             <a:fld id="{D85C82DE-D62C-4611-A55F-E210D5217DE3}" type="datetimeFigureOut">
               <a:rPr lang="zh-CN" altLang="en-US" smtClean="0"/>
-              <a:t>2018/12/13</a:t>
+              <a:t>2018/12/16</a:t>
             </a:fld>
             <a:endParaRPr lang="zh-CN" altLang="en-US"/>
           </a:p>
@@ -1603,7 +1609,7 @@
           <a:p>
             <a:fld id="{D85C82DE-D62C-4611-A55F-E210D5217DE3}" type="datetimeFigureOut">
               <a:rPr lang="zh-CN" altLang="en-US" smtClean="0"/>
-              <a:t>2018/12/13</a:t>
+              <a:t>2018/12/16</a:t>
             </a:fld>
             <a:endParaRPr lang="zh-CN" altLang="en-US"/>
           </a:p>
@@ -1721,7 +1727,7 @@
           <a:p>
             <a:fld id="{D85C82DE-D62C-4611-A55F-E210D5217DE3}" type="datetimeFigureOut">
               <a:rPr lang="zh-CN" altLang="en-US" smtClean="0"/>
-              <a:t>2018/12/13</a:t>
+              <a:t>2018/12/16</a:t>
             </a:fld>
             <a:endParaRPr lang="zh-CN" altLang="en-US"/>
           </a:p>
@@ -1816,7 +1822,7 @@
           <a:p>
             <a:fld id="{D85C82DE-D62C-4611-A55F-E210D5217DE3}" type="datetimeFigureOut">
               <a:rPr lang="zh-CN" altLang="en-US" smtClean="0"/>
-              <a:t>2018/12/13</a:t>
+              <a:t>2018/12/16</a:t>
             </a:fld>
             <a:endParaRPr lang="zh-CN" altLang="en-US"/>
           </a:p>
@@ -2093,7 +2099,7 @@
           <a:p>
             <a:fld id="{D85C82DE-D62C-4611-A55F-E210D5217DE3}" type="datetimeFigureOut">
               <a:rPr lang="zh-CN" altLang="en-US" smtClean="0"/>
-              <a:t>2018/12/13</a:t>
+              <a:t>2018/12/16</a:t>
             </a:fld>
             <a:endParaRPr lang="zh-CN" altLang="en-US"/>
           </a:p>
@@ -2346,7 +2352,7 @@
           <a:p>
             <a:fld id="{D85C82DE-D62C-4611-A55F-E210D5217DE3}" type="datetimeFigureOut">
               <a:rPr lang="zh-CN" altLang="en-US" smtClean="0"/>
-              <a:t>2018/12/13</a:t>
+              <a:t>2018/12/16</a:t>
             </a:fld>
             <a:endParaRPr lang="zh-CN" altLang="en-US"/>
           </a:p>
@@ -2559,7 +2565,7 @@
           <a:p>
             <a:fld id="{D85C82DE-D62C-4611-A55F-E210D5217DE3}" type="datetimeFigureOut">
               <a:rPr lang="zh-CN" altLang="en-US" smtClean="0"/>
-              <a:t>2018/12/13</a:t>
+              <a:t>2018/12/16</a:t>
             </a:fld>
             <a:endParaRPr lang="zh-CN" altLang="en-US"/>
           </a:p>
@@ -3243,6 +3249,402 @@
 </p:sld>
 </file>
 
+<file path=ppt/slides/slide2.xml><?xml version="1.0" encoding="utf-8"?>
+<p:sld xmlns:a="http://schemas.openxmlformats.org/drawingml/2006/main" xmlns:r="http://schemas.openxmlformats.org/officeDocument/2006/relationships" xmlns:p="http://schemas.openxmlformats.org/presentationml/2006/main">
+  <p:cSld>
+    <p:spTree>
+      <p:nvGrpSpPr>
+        <p:cNvPr id="1" name=""/>
+        <p:cNvGrpSpPr/>
+        <p:nvPr/>
+      </p:nvGrpSpPr>
+      <p:grpSpPr>
+        <a:xfrm>
+          <a:off x="0" y="0"/>
+          <a:ext cx="0" cy="0"/>
+          <a:chOff x="0" y="0"/>
+          <a:chExt cx="0" cy="0"/>
+        </a:xfrm>
+      </p:grpSpPr>
+      <p:pic>
+        <p:nvPicPr>
+          <p:cNvPr id="2" name="图片 1"/>
+          <p:cNvPicPr>
+            <a:picLocks noChangeAspect="1"/>
+          </p:cNvPicPr>
+          <p:nvPr/>
+        </p:nvPicPr>
+        <p:blipFill>
+          <a:blip r:embed="rId2" cstate="print">
+            <a:extLst>
+              <a:ext uri="{28A0092B-C50C-407E-A947-70E740481C1C}">
+                <a14:useLocalDpi xmlns:a14="http://schemas.microsoft.com/office/drawing/2010/main" val="0"/>
+              </a:ext>
+            </a:extLst>
+          </a:blip>
+          <a:stretch>
+            <a:fillRect/>
+          </a:stretch>
+        </p:blipFill>
+        <p:spPr>
+          <a:xfrm>
+            <a:off x="3315588" y="2022550"/>
+            <a:ext cx="4380117" cy="2044625"/>
+          </a:xfrm>
+          <a:prstGeom prst="rect">
+            <a:avLst/>
+          </a:prstGeom>
+        </p:spPr>
+      </p:pic>
+      <p:sp>
+        <p:nvSpPr>
+          <p:cNvPr id="3" name="矩形 2"/>
+          <p:cNvSpPr/>
+          <p:nvPr/>
+        </p:nvSpPr>
+        <p:spPr>
+          <a:xfrm>
+            <a:off x="2603196" y="1793799"/>
+            <a:ext cx="6308923" cy="3040708"/>
+          </a:xfrm>
+          <a:prstGeom prst="rect">
+            <a:avLst/>
+          </a:prstGeom>
+          <a:noFill/>
+          <a:ln w="66675"/>
+        </p:spPr>
+        <p:style>
+          <a:lnRef idx="2">
+            <a:schemeClr val="accent1">
+              <a:shade val="50000"/>
+            </a:schemeClr>
+          </a:lnRef>
+          <a:fillRef idx="1">
+            <a:schemeClr val="accent1"/>
+          </a:fillRef>
+          <a:effectRef idx="0">
+            <a:schemeClr val="accent1"/>
+          </a:effectRef>
+          <a:fontRef idx="minor">
+            <a:schemeClr val="lt1"/>
+          </a:fontRef>
+        </p:style>
+        <p:txBody>
+          <a:bodyPr rtlCol="0" anchor="ctr"/>
+          <a:lstStyle/>
+          <a:p>
+            <a:pPr algn="ctr"/>
+            <a:endParaRPr lang="zh-CN" altLang="en-US"/>
+          </a:p>
+        </p:txBody>
+      </p:sp>
+      <p:sp>
+        <p:nvSpPr>
+          <p:cNvPr id="4" name="文本框 3"/>
+          <p:cNvSpPr txBox="1"/>
+          <p:nvPr/>
+        </p:nvSpPr>
+        <p:spPr>
+          <a:xfrm>
+            <a:off x="2010908" y="1351871"/>
+            <a:ext cx="1390160" cy="369332"/>
+          </a:xfrm>
+          <a:prstGeom prst="rect">
+            <a:avLst/>
+          </a:prstGeom>
+          <a:gradFill>
+            <a:gsLst>
+              <a:gs pos="0">
+                <a:schemeClr val="accent1">
+                  <a:lumMod val="5000"/>
+                  <a:lumOff val="95000"/>
+                </a:schemeClr>
+              </a:gs>
+              <a:gs pos="74000">
+                <a:schemeClr val="accent1">
+                  <a:lumMod val="45000"/>
+                  <a:lumOff val="55000"/>
+                </a:schemeClr>
+              </a:gs>
+              <a:gs pos="83000">
+                <a:schemeClr val="accent1">
+                  <a:lumMod val="45000"/>
+                  <a:lumOff val="55000"/>
+                </a:schemeClr>
+              </a:gs>
+              <a:gs pos="100000">
+                <a:schemeClr val="accent1">
+                  <a:lumMod val="30000"/>
+                  <a:lumOff val="70000"/>
+                </a:schemeClr>
+              </a:gs>
+            </a:gsLst>
+            <a:lin ang="5400000" scaled="1"/>
+          </a:gradFill>
+        </p:spPr>
+        <p:txBody>
+          <a:bodyPr wrap="square" rtlCol="0">
+            <a:spAutoFit/>
+          </a:bodyPr>
+          <a:lstStyle>
+            <a:defPPr>
+              <a:defRPr lang="zh-CN"/>
+            </a:defPPr>
+          </a:lstStyle>
+          <a:p>
+            <a:r>
+              <a:rPr lang="zh-CN" altLang="en-US"/>
+              <a:t>功能</a:t>
+            </a:r>
+            <a:r>
+              <a:rPr lang="en-US" altLang="zh-CN"/>
+              <a:t>/</a:t>
+            </a:r>
+            <a:r>
+              <a:rPr lang="zh-CN" altLang="en-US"/>
+              <a:t>作用</a:t>
+            </a:r>
+          </a:p>
+        </p:txBody>
+      </p:sp>
+      <p:sp>
+        <p:nvSpPr>
+          <p:cNvPr id="5" name="文本框 4"/>
+          <p:cNvSpPr txBox="1"/>
+          <p:nvPr/>
+        </p:nvSpPr>
+        <p:spPr>
+          <a:xfrm>
+            <a:off x="8717255" y="1376842"/>
+            <a:ext cx="1355433" cy="369332"/>
+          </a:xfrm>
+          <a:prstGeom prst="rect">
+            <a:avLst/>
+          </a:prstGeom>
+          <a:gradFill>
+            <a:gsLst>
+              <a:gs pos="0">
+                <a:schemeClr val="accent1">
+                  <a:lumMod val="5000"/>
+                  <a:lumOff val="95000"/>
+                </a:schemeClr>
+              </a:gs>
+              <a:gs pos="74000">
+                <a:schemeClr val="accent1">
+                  <a:lumMod val="45000"/>
+                  <a:lumOff val="55000"/>
+                </a:schemeClr>
+              </a:gs>
+              <a:gs pos="83000">
+                <a:schemeClr val="accent1">
+                  <a:lumMod val="45000"/>
+                  <a:lumOff val="55000"/>
+                </a:schemeClr>
+              </a:gs>
+              <a:gs pos="100000">
+                <a:schemeClr val="accent1">
+                  <a:lumMod val="30000"/>
+                  <a:lumOff val="70000"/>
+                </a:schemeClr>
+              </a:gs>
+            </a:gsLst>
+            <a:lin ang="5400000" scaled="1"/>
+          </a:gradFill>
+        </p:spPr>
+        <p:txBody>
+          <a:bodyPr wrap="square" rtlCol="0">
+            <a:spAutoFit/>
+          </a:bodyPr>
+          <a:lstStyle>
+            <a:defPPr>
+              <a:defRPr lang="zh-CN"/>
+            </a:defPPr>
+          </a:lstStyle>
+          <a:p>
+            <a:r>
+              <a:rPr lang="zh-CN" altLang="en-US"/>
+              <a:t>好处</a:t>
+            </a:r>
+            <a:r>
+              <a:rPr lang="en-US" altLang="zh-CN"/>
+              <a:t>/</a:t>
+            </a:r>
+            <a:r>
+              <a:rPr lang="zh-CN" altLang="en-US"/>
+              <a:t>优点</a:t>
+            </a:r>
+          </a:p>
+        </p:txBody>
+      </p:sp>
+      <p:sp>
+        <p:nvSpPr>
+          <p:cNvPr id="6" name="文本框 5"/>
+          <p:cNvSpPr txBox="1"/>
+          <p:nvPr/>
+        </p:nvSpPr>
+        <p:spPr>
+          <a:xfrm>
+            <a:off x="2976563" y="4300538"/>
+            <a:ext cx="723900" cy="369332"/>
+          </a:xfrm>
+          <a:prstGeom prst="rect">
+            <a:avLst/>
+          </a:prstGeom>
+          <a:gradFill>
+            <a:gsLst>
+              <a:gs pos="0">
+                <a:schemeClr val="accent1">
+                  <a:lumMod val="5000"/>
+                  <a:lumOff val="95000"/>
+                </a:schemeClr>
+              </a:gs>
+              <a:gs pos="74000">
+                <a:schemeClr val="accent1">
+                  <a:lumMod val="45000"/>
+                  <a:lumOff val="55000"/>
+                </a:schemeClr>
+              </a:gs>
+              <a:gs pos="83000">
+                <a:schemeClr val="accent1">
+                  <a:lumMod val="45000"/>
+                  <a:lumOff val="55000"/>
+                </a:schemeClr>
+              </a:gs>
+              <a:gs pos="100000">
+                <a:schemeClr val="accent1">
+                  <a:lumMod val="30000"/>
+                  <a:lumOff val="70000"/>
+                </a:schemeClr>
+              </a:gs>
+            </a:gsLst>
+            <a:lin ang="5400000" scaled="1"/>
+          </a:gradFill>
+        </p:spPr>
+        <p:txBody>
+          <a:bodyPr wrap="square" rtlCol="0">
+            <a:spAutoFit/>
+          </a:bodyPr>
+          <a:lstStyle/>
+          <a:p>
+            <a:r>
+              <a:rPr lang="zh-CN" altLang="en-US" smtClean="0"/>
+              <a:t>构成</a:t>
+            </a:r>
+            <a:endParaRPr lang="zh-CN" altLang="en-US"/>
+          </a:p>
+        </p:txBody>
+      </p:sp>
+      <p:sp>
+        <p:nvSpPr>
+          <p:cNvPr id="7" name="文本框 6"/>
+          <p:cNvSpPr txBox="1"/>
+          <p:nvPr/>
+        </p:nvSpPr>
+        <p:spPr>
+          <a:xfrm>
+            <a:off x="7543799" y="4295926"/>
+            <a:ext cx="904875" cy="369332"/>
+          </a:xfrm>
+          <a:prstGeom prst="rect">
+            <a:avLst/>
+          </a:prstGeom>
+          <a:gradFill>
+            <a:gsLst>
+              <a:gs pos="0">
+                <a:schemeClr val="accent1">
+                  <a:lumMod val="5000"/>
+                  <a:lumOff val="95000"/>
+                </a:schemeClr>
+              </a:gs>
+              <a:gs pos="74000">
+                <a:schemeClr val="accent1">
+                  <a:lumMod val="45000"/>
+                  <a:lumOff val="55000"/>
+                </a:schemeClr>
+              </a:gs>
+              <a:gs pos="83000">
+                <a:schemeClr val="accent1">
+                  <a:lumMod val="45000"/>
+                  <a:lumOff val="55000"/>
+                </a:schemeClr>
+              </a:gs>
+              <a:gs pos="100000">
+                <a:schemeClr val="accent1">
+                  <a:lumMod val="30000"/>
+                  <a:lumOff val="70000"/>
+                </a:schemeClr>
+              </a:gs>
+            </a:gsLst>
+            <a:lin ang="5400000" scaled="1"/>
+          </a:gradFill>
+        </p:spPr>
+        <p:txBody>
+          <a:bodyPr wrap="square" rtlCol="0">
+            <a:spAutoFit/>
+          </a:bodyPr>
+          <a:lstStyle>
+            <a:defPPr>
+              <a:defRPr lang="zh-CN"/>
+            </a:defPPr>
+          </a:lstStyle>
+          <a:p>
+            <a:r>
+              <a:rPr lang="zh-CN" altLang="en-US"/>
+              <a:t>本质</a:t>
+            </a:r>
+          </a:p>
+        </p:txBody>
+      </p:sp>
+      <p:cxnSp>
+        <p:nvCxnSpPr>
+          <p:cNvPr id="9" name="直接箭头连接符 8"/>
+          <p:cNvCxnSpPr>
+            <a:stCxn id="4" idx="3"/>
+            <a:endCxn id="5" idx="1"/>
+          </p:cNvCxnSpPr>
+          <p:nvPr/>
+        </p:nvCxnSpPr>
+        <p:spPr>
+          <a:xfrm>
+            <a:off x="3401068" y="1536537"/>
+            <a:ext cx="5316187" cy="24971"/>
+          </a:xfrm>
+          <a:prstGeom prst="straightConnector1">
+            <a:avLst/>
+          </a:prstGeom>
+          <a:ln>
+            <a:headEnd type="triangle"/>
+            <a:tailEnd type="triangle"/>
+          </a:ln>
+        </p:spPr>
+        <p:style>
+          <a:lnRef idx="1">
+            <a:schemeClr val="accent1"/>
+          </a:lnRef>
+          <a:fillRef idx="0">
+            <a:schemeClr val="accent1"/>
+          </a:fillRef>
+          <a:effectRef idx="0">
+            <a:schemeClr val="accent1"/>
+          </a:effectRef>
+          <a:fontRef idx="minor">
+            <a:schemeClr val="tx1"/>
+          </a:fontRef>
+        </p:style>
+      </p:cxnSp>
+    </p:spTree>
+    <p:extLst>
+      <p:ext uri="{BB962C8B-B14F-4D97-AF65-F5344CB8AC3E}">
+        <p14:creationId xmlns:p14="http://schemas.microsoft.com/office/powerpoint/2010/main" val="4280779980"/>
+      </p:ext>
+    </p:extLst>
+  </p:cSld>
+  <p:clrMapOvr>
+    <a:masterClrMapping/>
+  </p:clrMapOvr>
+</p:sld>
+</file>
+
 <file path=ppt/theme/theme1.xml><?xml version="1.0" encoding="utf-8"?>
 <a:theme xmlns:a="http://schemas.openxmlformats.org/drawingml/2006/main" name="Office 主题">
   <a:themeElements>
